--- a/Management/Presentations/Second Presentation.pptx
+++ b/Management/Presentations/Second Presentation.pptx
@@ -5,17 +5,18 @@
     <p:sldMasterId id="2147483773" r:id="rId1"/>
   </p:sldMasterIdLst>
   <p:notesMasterIdLst>
-    <p:notesMasterId r:id="rId10"/>
+    <p:notesMasterId r:id="rId11"/>
   </p:notesMasterIdLst>
   <p:sldIdLst>
     <p:sldId id="268" r:id="rId2"/>
     <p:sldId id="257" r:id="rId3"/>
-    <p:sldId id="258" r:id="rId4"/>
-    <p:sldId id="270" r:id="rId5"/>
-    <p:sldId id="269" r:id="rId6"/>
-    <p:sldId id="271" r:id="rId7"/>
+    <p:sldId id="269" r:id="rId4"/>
+    <p:sldId id="271" r:id="rId5"/>
+    <p:sldId id="258" r:id="rId6"/>
+    <p:sldId id="270" r:id="rId7"/>
     <p:sldId id="272" r:id="rId8"/>
-    <p:sldId id="264" r:id="rId9"/>
+    <p:sldId id="273" r:id="rId9"/>
+    <p:sldId id="264" r:id="rId10"/>
   </p:sldIdLst>
   <p:sldSz cx="12192000" cy="6858000"/>
   <p:notesSz cx="6858000" cy="9144000"/>
@@ -116,7 +117,7 @@
   </p:defaultTextStyle>
   <p:extLst>
     <p:ext uri="{EFAFB233-063F-42B5-8137-9DF3F51BA10A}">
-      <p15:sldGuideLst xmlns:p15="http://schemas.microsoft.com/office/powerpoint/2012/main">
+      <p15:sldGuideLst xmlns="" xmlns:p15="http://schemas.microsoft.com/office/powerpoint/2012/main">
         <p15:guide id="1" orient="horz" pos="2160">
           <p15:clr>
             <a:srgbClr val="A4A3A4"/>
@@ -215,7 +216,7 @@
           <a:p>
             <a:fld id="{75BABC86-FEDF-472D-AB9E-F2C2CE3CCEF1}" type="datetimeFigureOut">
               <a:rPr lang="en-GB" smtClean="0"/>
-              <a:t>06/03/2018</a:t>
+              <a:t>07/03/2018</a:t>
             </a:fld>
             <a:endParaRPr lang="en-GB"/>
           </a:p>
@@ -1074,7 +1075,7 @@
             <a:fld id="{F3994DA1-97A3-4E54-9B2F-00B500E03E14}" type="datetime1">
               <a:rPr lang="en-GB" smtClean="0"/>
               <a:pPr lvl="0"/>
-              <a:t>06/03/2018</a:t>
+              <a:t>07/03/2018</a:t>
             </a:fld>
             <a:endParaRPr lang="en-GB"/>
           </a:p>
@@ -1376,7 +1377,7 @@
             <a:fld id="{0A938B45-B51E-45C2-A0D9-B497EE50B1AF}" type="datetime1">
               <a:rPr lang="en-GB" smtClean="0"/>
               <a:pPr lvl="0"/>
-              <a:t>06/03/2018</a:t>
+              <a:t>07/03/2018</a:t>
             </a:fld>
             <a:endParaRPr lang="en-GB"/>
           </a:p>
@@ -1629,7 +1630,7 @@
             <a:fld id="{BAB0A914-807F-429A-B6D8-8710A2DAF7FA}" type="datetime1">
               <a:rPr lang="en-GB" smtClean="0"/>
               <a:pPr lvl="0"/>
-              <a:t>06/03/2018</a:t>
+              <a:t>07/03/2018</a:t>
             </a:fld>
             <a:endParaRPr lang="en-GB"/>
           </a:p>
@@ -2174,7 +2175,7 @@
             <a:fld id="{EEEC9F56-CA01-4928-B668-FFCE44F60EC0}" type="datetime1">
               <a:rPr lang="en-GB" smtClean="0"/>
               <a:pPr lvl="0"/>
-              <a:t>06/03/2018</a:t>
+              <a:t>07/03/2018</a:t>
             </a:fld>
             <a:endParaRPr lang="en-GB"/>
           </a:p>
@@ -2427,7 +2428,7 @@
             <a:fld id="{F58CB32B-5947-464C-B805-F5DA6D1796F9}" type="datetime1">
               <a:rPr lang="en-GB" smtClean="0"/>
               <a:pPr lvl="0"/>
-              <a:t>06/03/2018</a:t>
+              <a:t>07/03/2018</a:t>
             </a:fld>
             <a:endParaRPr lang="en-GB"/>
           </a:p>
@@ -2964,7 +2965,7 @@
             <a:fld id="{D5116B6F-B8D8-42AC-962D-54B233F9EAF6}" type="datetime1">
               <a:rPr lang="en-GB" smtClean="0"/>
               <a:pPr lvl="0"/>
-              <a:t>06/03/2018</a:t>
+              <a:t>07/03/2018</a:t>
             </a:fld>
             <a:endParaRPr lang="en-GB"/>
           </a:p>
@@ -3266,7 +3267,7 @@
             <a:fld id="{F3C9C397-44C4-436C-B923-CD3016194903}" type="datetime1">
               <a:rPr lang="en-GB" smtClean="0"/>
               <a:pPr lvl="0"/>
-              <a:t>06/03/2018</a:t>
+              <a:t>07/03/2018</a:t>
             </a:fld>
             <a:endParaRPr lang="en-GB"/>
           </a:p>
@@ -3445,7 +3446,7 @@
             <a:fld id="{AF00B6BA-DFF7-4BD5-8B96-5584303CF8BC}" type="datetime1">
               <a:rPr lang="en-GB" smtClean="0"/>
               <a:pPr lvl="0"/>
-              <a:t>06/03/2018</a:t>
+              <a:t>07/03/2018</a:t>
             </a:fld>
             <a:endParaRPr lang="en-GB"/>
           </a:p>
@@ -3630,7 +3631,7 @@
             <a:fld id="{3F7009C4-81D5-414D-9C86-4061F61122F4}" type="datetime1">
               <a:rPr lang="en-GB" smtClean="0"/>
               <a:pPr lvl="0"/>
-              <a:t>06/03/2018</a:t>
+              <a:t>07/03/2018</a:t>
             </a:fld>
             <a:endParaRPr lang="en-GB"/>
           </a:p>
@@ -3805,7 +3806,7 @@
             <a:fld id="{E5C1DDFD-8743-4894-BAF6-0C8A876C9B15}" type="datetime1">
               <a:rPr lang="en-GB" smtClean="0"/>
               <a:pPr lvl="0"/>
-              <a:t>06/03/2018</a:t>
+              <a:t>07/03/2018</a:t>
             </a:fld>
             <a:endParaRPr lang="en-GB"/>
           </a:p>
@@ -4062,7 +4063,7 @@
             <a:fld id="{3B269C16-6059-43AC-B645-D77BB9C79854}" type="datetime1">
               <a:rPr lang="en-GB" smtClean="0"/>
               <a:pPr lvl="0"/>
-              <a:t>06/03/2018</a:t>
+              <a:t>07/03/2018</a:t>
             </a:fld>
             <a:endParaRPr lang="en-GB"/>
           </a:p>
@@ -4364,7 +4365,7 @@
             <a:fld id="{E442CE44-BBE2-4790-BAC2-E237D1F7D24B}" type="datetime1">
               <a:rPr lang="en-GB" smtClean="0"/>
               <a:pPr lvl="0"/>
-              <a:t>06/03/2018</a:t>
+              <a:t>07/03/2018</a:t>
             </a:fld>
             <a:endParaRPr lang="en-GB"/>
           </a:p>
@@ -4811,7 +4812,7 @@
             <a:fld id="{3F0870A0-5E64-4FFD-82CD-9799FCF7635C}" type="datetime1">
               <a:rPr lang="en-GB" smtClean="0"/>
               <a:pPr lvl="0"/>
-              <a:t>06/03/2018</a:t>
+              <a:t>07/03/2018</a:t>
             </a:fld>
             <a:endParaRPr lang="en-GB"/>
           </a:p>
@@ -4934,7 +4935,7 @@
             <a:fld id="{296D985E-0DB4-4BF5-855F-28E09246A4AD}" type="datetime1">
               <a:rPr lang="en-GB" smtClean="0"/>
               <a:pPr lvl="0"/>
-              <a:t>06/03/2018</a:t>
+              <a:t>07/03/2018</a:t>
             </a:fld>
             <a:endParaRPr lang="en-GB"/>
           </a:p>
@@ -5034,7 +5035,7 @@
             <a:fld id="{9F1DE80F-3E28-4B3C-8547-264986C5E7C4}" type="datetime1">
               <a:rPr lang="en-GB" smtClean="0"/>
               <a:pPr lvl="0"/>
-              <a:t>06/03/2018</a:t>
+              <a:t>07/03/2018</a:t>
             </a:fld>
             <a:endParaRPr lang="en-GB"/>
           </a:p>
@@ -5322,7 +5323,7 @@
             <a:fld id="{9E0633B0-3715-4B4A-863A-9FE6BFE19A02}" type="datetime1">
               <a:rPr lang="en-GB" smtClean="0"/>
               <a:pPr lvl="0"/>
-              <a:t>06/03/2018</a:t>
+              <a:t>07/03/2018</a:t>
             </a:fld>
             <a:endParaRPr lang="en-GB"/>
           </a:p>
@@ -5618,7 +5619,7 @@
             <a:fld id="{6A2E4BBA-91CD-4AAE-848B-10EB5ECE1EAD}" type="datetime1">
               <a:rPr lang="en-GB" smtClean="0"/>
               <a:pPr lvl="0"/>
-              <a:t>06/03/2018</a:t>
+              <a:t>07/03/2018</a:t>
             </a:fld>
             <a:endParaRPr lang="en-GB"/>
           </a:p>
@@ -6153,7 +6154,7 @@
             <a:fld id="{0A938B45-B51E-45C2-A0D9-B497EE50B1AF}" type="datetime1">
               <a:rPr lang="en-GB" smtClean="0"/>
               <a:pPr lvl="0"/>
-              <a:t>06/03/2018</a:t>
+              <a:t>07/03/2018</a:t>
             </a:fld>
             <a:endParaRPr lang="en-GB"/>
           </a:p>
@@ -6692,7 +6693,7 @@
           <p:cNvPr id="19" name="Group 9">
             <a:extLst>
               <a:ext uri="{FF2B5EF4-FFF2-40B4-BE49-F238E27FC236}">
-                <a16:creationId xmlns:a16="http://schemas.microsoft.com/office/drawing/2014/main" id="{FFDFDE97-4A97-47C3-A34F-FC7FD441CB87}"/>
+                <a16:creationId xmlns="" xmlns:a16="http://schemas.microsoft.com/office/drawing/2014/main" id="{FFDFDE97-4A97-47C3-A34F-FC7FD441CB87}"/>
               </a:ext>
             </a:extLst>
           </p:cNvPr>
@@ -6702,7 +6703,7 @@
           <p:nvPr>
             <p:extLst>
               <p:ext uri="{386F3935-93C4-4BCD-93E2-E3B085C9AB24}">
-                <p16:designElem xmlns:p16="http://schemas.microsoft.com/office/powerpoint/2015/main" val="1"/>
+                <p16:designElem xmlns="" xmlns:p16="http://schemas.microsoft.com/office/powerpoint/2015/main" val="1"/>
               </p:ext>
             </p:extLst>
           </p:nvPr>
@@ -6720,7 +6721,7 @@
             <p:cNvPr id="11" name="Freeform 6">
               <a:extLst>
                 <a:ext uri="{FF2B5EF4-FFF2-40B4-BE49-F238E27FC236}">
-                  <a16:creationId xmlns:a16="http://schemas.microsoft.com/office/drawing/2014/main" id="{5929D068-05C4-4FD7-805E-67B98DC007C2}"/>
+                  <a16:creationId xmlns="" xmlns:a16="http://schemas.microsoft.com/office/drawing/2014/main" id="{5929D068-05C4-4FD7-805E-67B98DC007C2}"/>
                 </a:ext>
               </a:extLst>
             </p:cNvPr>
@@ -6728,7 +6729,7 @@
             <p:nvPr>
               <p:extLst>
                 <p:ext uri="{386F3935-93C4-4BCD-93E2-E3B085C9AB24}">
-                  <p16:designElem xmlns:p16="http://schemas.microsoft.com/office/powerpoint/2015/main" val="1"/>
+                  <p16:designElem xmlns="" xmlns:p16="http://schemas.microsoft.com/office/powerpoint/2015/main" val="1"/>
                 </p:ext>
               </p:extLst>
             </p:nvPr>
@@ -6778,7 +6779,7 @@
             <p:cNvPr id="12" name="Freeform 7">
               <a:extLst>
                 <a:ext uri="{FF2B5EF4-FFF2-40B4-BE49-F238E27FC236}">
-                  <a16:creationId xmlns:a16="http://schemas.microsoft.com/office/drawing/2014/main" id="{802E4133-42B8-4E61-88E6-34AA55241E0E}"/>
+                  <a16:creationId xmlns="" xmlns:a16="http://schemas.microsoft.com/office/drawing/2014/main" id="{802E4133-42B8-4E61-88E6-34AA55241E0E}"/>
                 </a:ext>
               </a:extLst>
             </p:cNvPr>
@@ -6786,7 +6787,7 @@
             <p:nvPr>
               <p:extLst>
                 <p:ext uri="{386F3935-93C4-4BCD-93E2-E3B085C9AB24}">
-                  <p16:designElem xmlns:p16="http://schemas.microsoft.com/office/powerpoint/2015/main" val="1"/>
+                  <p16:designElem xmlns="" xmlns:p16="http://schemas.microsoft.com/office/powerpoint/2015/main" val="1"/>
                 </p:ext>
               </p:extLst>
             </p:nvPr>
@@ -6842,7 +6843,7 @@
             <p:cNvPr id="13" name="Freeform 9">
               <a:extLst>
                 <a:ext uri="{FF2B5EF4-FFF2-40B4-BE49-F238E27FC236}">
-                  <a16:creationId xmlns:a16="http://schemas.microsoft.com/office/drawing/2014/main" id="{3FA7762F-EFA7-4921-8668-F1C73A0D5F9D}"/>
+                  <a16:creationId xmlns="" xmlns:a16="http://schemas.microsoft.com/office/drawing/2014/main" id="{3FA7762F-EFA7-4921-8668-F1C73A0D5F9D}"/>
                 </a:ext>
               </a:extLst>
             </p:cNvPr>
@@ -6850,7 +6851,7 @@
             <p:nvPr>
               <p:extLst>
                 <p:ext uri="{386F3935-93C4-4BCD-93E2-E3B085C9AB24}">
-                  <p16:designElem xmlns:p16="http://schemas.microsoft.com/office/powerpoint/2015/main" val="1"/>
+                  <p16:designElem xmlns="" xmlns:p16="http://schemas.microsoft.com/office/powerpoint/2015/main" val="1"/>
                 </p:ext>
               </p:extLst>
             </p:nvPr>
@@ -6900,7 +6901,7 @@
             <p:cNvPr id="14" name="Freeform 10">
               <a:extLst>
                 <a:ext uri="{FF2B5EF4-FFF2-40B4-BE49-F238E27FC236}">
-                  <a16:creationId xmlns:a16="http://schemas.microsoft.com/office/drawing/2014/main" id="{22FFCE41-B971-4162-8DF9-DBF817DDACAF}"/>
+                  <a16:creationId xmlns="" xmlns:a16="http://schemas.microsoft.com/office/drawing/2014/main" id="{22FFCE41-B971-4162-8DF9-DBF817DDACAF}"/>
                 </a:ext>
               </a:extLst>
             </p:cNvPr>
@@ -6908,7 +6909,7 @@
             <p:nvPr>
               <p:extLst>
                 <p:ext uri="{386F3935-93C4-4BCD-93E2-E3B085C9AB24}">
-                  <p16:designElem xmlns:p16="http://schemas.microsoft.com/office/powerpoint/2015/main" val="1"/>
+                  <p16:designElem xmlns="" xmlns:p16="http://schemas.microsoft.com/office/powerpoint/2015/main" val="1"/>
                 </p:ext>
               </p:extLst>
             </p:nvPr>
@@ -6957,7 +6958,7 @@
             <p:cNvPr id="15" name="Freeform 11">
               <a:extLst>
                 <a:ext uri="{FF2B5EF4-FFF2-40B4-BE49-F238E27FC236}">
-                  <a16:creationId xmlns:a16="http://schemas.microsoft.com/office/drawing/2014/main" id="{90D48A4B-3F05-4D98-B608-F5E23EA0D008}"/>
+                  <a16:creationId xmlns="" xmlns:a16="http://schemas.microsoft.com/office/drawing/2014/main" id="{90D48A4B-3F05-4D98-B608-F5E23EA0D008}"/>
                 </a:ext>
               </a:extLst>
             </p:cNvPr>
@@ -6965,7 +6966,7 @@
             <p:nvPr>
               <p:extLst>
                 <p:ext uri="{386F3935-93C4-4BCD-93E2-E3B085C9AB24}">
-                  <p16:designElem xmlns:p16="http://schemas.microsoft.com/office/powerpoint/2015/main" val="1"/>
+                  <p16:designElem xmlns="" xmlns:p16="http://schemas.microsoft.com/office/powerpoint/2015/main" val="1"/>
                 </p:ext>
               </p:extLst>
             </p:nvPr>
@@ -7020,7 +7021,7 @@
             <p:cNvPr id="16" name="Freeform 12">
               <a:extLst>
                 <a:ext uri="{FF2B5EF4-FFF2-40B4-BE49-F238E27FC236}">
-                  <a16:creationId xmlns:a16="http://schemas.microsoft.com/office/drawing/2014/main" id="{AF334AC8-D046-47E1-BCFA-12AF52A42A17}"/>
+                  <a16:creationId xmlns="" xmlns:a16="http://schemas.microsoft.com/office/drawing/2014/main" id="{AF334AC8-D046-47E1-BCFA-12AF52A42A17}"/>
                 </a:ext>
               </a:extLst>
             </p:cNvPr>
@@ -7028,7 +7029,7 @@
             <p:nvPr>
               <p:extLst>
                 <p:ext uri="{386F3935-93C4-4BCD-93E2-E3B085C9AB24}">
-                  <p16:designElem xmlns:p16="http://schemas.microsoft.com/office/powerpoint/2015/main" val="1"/>
+                  <p16:designElem xmlns="" xmlns:p16="http://schemas.microsoft.com/office/powerpoint/2015/main" val="1"/>
                 </p:ext>
               </p:extLst>
             </p:nvPr>
@@ -7091,7 +7092,7 @@
           <p:cNvPr id="18" name="Rectangle 17">
             <a:extLst>
               <a:ext uri="{FF2B5EF4-FFF2-40B4-BE49-F238E27FC236}">
-                <a16:creationId xmlns:a16="http://schemas.microsoft.com/office/drawing/2014/main" id="{7598300D-80B4-4198-A7BD-B15BC31C9A4A}"/>
+                <a16:creationId xmlns="" xmlns:a16="http://schemas.microsoft.com/office/drawing/2014/main" id="{7598300D-80B4-4198-A7BD-B15BC31C9A4A}"/>
               </a:ext>
             </a:extLst>
           </p:cNvPr>
@@ -7101,7 +7102,7 @@
           <p:nvPr>
             <p:extLst>
               <p:ext uri="{386F3935-93C4-4BCD-93E2-E3B085C9AB24}">
-                <p16:designElem xmlns:p16="http://schemas.microsoft.com/office/powerpoint/2015/main" val="1"/>
+                <p16:designElem xmlns="" xmlns:p16="http://schemas.microsoft.com/office/powerpoint/2015/main" val="1"/>
               </p:ext>
             </p:extLst>
           </p:nvPr>
@@ -7148,7 +7149,7 @@
           <p:cNvPr id="5" name="Picture 4">
             <a:extLst>
               <a:ext uri="{FF2B5EF4-FFF2-40B4-BE49-F238E27FC236}">
-                <a16:creationId xmlns:a16="http://schemas.microsoft.com/office/drawing/2014/main" id="{CE596F19-542F-432A-8326-3A8BF87EA255}"/>
+                <a16:creationId xmlns="" xmlns:a16="http://schemas.microsoft.com/office/drawing/2014/main" id="{CE596F19-542F-432A-8326-3A8BF87EA255}"/>
               </a:ext>
             </a:extLst>
           </p:cNvPr>
@@ -7183,7 +7184,7 @@
           <p:cNvPr id="20" name="Group 19">
             <a:extLst>
               <a:ext uri="{FF2B5EF4-FFF2-40B4-BE49-F238E27FC236}">
-                <a16:creationId xmlns:a16="http://schemas.microsoft.com/office/drawing/2014/main" id="{AEE4B65F-3548-4B65-9353-5B888725B8E6}"/>
+                <a16:creationId xmlns="" xmlns:a16="http://schemas.microsoft.com/office/drawing/2014/main" id="{AEE4B65F-3548-4B65-9353-5B888725B8E6}"/>
               </a:ext>
             </a:extLst>
           </p:cNvPr>
@@ -7193,7 +7194,7 @@
           <p:nvPr>
             <p:extLst>
               <p:ext uri="{386F3935-93C4-4BCD-93E2-E3B085C9AB24}">
-                <p16:designElem xmlns:p16="http://schemas.microsoft.com/office/powerpoint/2015/main" val="1"/>
+                <p16:designElem xmlns="" xmlns:p16="http://schemas.microsoft.com/office/powerpoint/2015/main" val="1"/>
               </p:ext>
             </p:extLst>
           </p:nvPr>
@@ -7211,7 +7212,7 @@
             <p:cNvPr id="21" name="Rectangle 19">
               <a:extLst>
                 <a:ext uri="{FF2B5EF4-FFF2-40B4-BE49-F238E27FC236}">
-                  <a16:creationId xmlns:a16="http://schemas.microsoft.com/office/drawing/2014/main" id="{E84ABF24-FB51-4950-AA13-9C38FA273D53}"/>
+                  <a16:creationId xmlns="" xmlns:a16="http://schemas.microsoft.com/office/drawing/2014/main" id="{E84ABF24-FB51-4950-AA13-9C38FA273D53}"/>
                 </a:ext>
               </a:extLst>
             </p:cNvPr>
@@ -7219,7 +7220,7 @@
             <p:nvPr>
               <p:extLst>
                 <p:ext uri="{386F3935-93C4-4BCD-93E2-E3B085C9AB24}">
-                  <p16:designElem xmlns:p16="http://schemas.microsoft.com/office/powerpoint/2015/main" val="1"/>
+                  <p16:designElem xmlns="" xmlns:p16="http://schemas.microsoft.com/office/powerpoint/2015/main" val="1"/>
                 </p:ext>
               </p:extLst>
             </p:nvPr>
@@ -7357,7 +7358,7 @@
             <p:cNvPr id="22" name="Rectangle 20">
               <a:extLst>
                 <a:ext uri="{FF2B5EF4-FFF2-40B4-BE49-F238E27FC236}">
-                  <a16:creationId xmlns:a16="http://schemas.microsoft.com/office/drawing/2014/main" id="{66B54044-7162-4346-93AF-91F5EF08F6F9}"/>
+                  <a16:creationId xmlns="" xmlns:a16="http://schemas.microsoft.com/office/drawing/2014/main" id="{66B54044-7162-4346-93AF-91F5EF08F6F9}"/>
                 </a:ext>
               </a:extLst>
             </p:cNvPr>
@@ -7365,7 +7366,7 @@
             <p:nvPr>
               <p:extLst>
                 <p:ext uri="{386F3935-93C4-4BCD-93E2-E3B085C9AB24}">
-                  <p16:designElem xmlns:p16="http://schemas.microsoft.com/office/powerpoint/2015/main" val="1"/>
+                  <p16:designElem xmlns="" xmlns:p16="http://schemas.microsoft.com/office/powerpoint/2015/main" val="1"/>
                 </p:ext>
               </p:extLst>
             </p:nvPr>
@@ -7504,7 +7505,7 @@
           <p:cNvPr id="24" name="Group 23">
             <a:extLst>
               <a:ext uri="{FF2B5EF4-FFF2-40B4-BE49-F238E27FC236}">
-                <a16:creationId xmlns:a16="http://schemas.microsoft.com/office/drawing/2014/main" id="{7EF05D2A-6417-4683-B103-2F6594C7F90A}"/>
+                <a16:creationId xmlns="" xmlns:a16="http://schemas.microsoft.com/office/drawing/2014/main" id="{7EF05D2A-6417-4683-B103-2F6594C7F90A}"/>
               </a:ext>
             </a:extLst>
           </p:cNvPr>
@@ -7514,7 +7515,7 @@
           <p:nvPr>
             <p:extLst>
               <p:ext uri="{386F3935-93C4-4BCD-93E2-E3B085C9AB24}">
-                <p16:designElem xmlns:p16="http://schemas.microsoft.com/office/powerpoint/2015/main" val="1"/>
+                <p16:designElem xmlns="" xmlns:p16="http://schemas.microsoft.com/office/powerpoint/2015/main" val="1"/>
               </p:ext>
             </p:extLst>
           </p:nvPr>
@@ -7532,7 +7533,7 @@
             <p:cNvPr id="25" name="Freeform 6">
               <a:extLst>
                 <a:ext uri="{FF2B5EF4-FFF2-40B4-BE49-F238E27FC236}">
-                  <a16:creationId xmlns:a16="http://schemas.microsoft.com/office/drawing/2014/main" id="{98F07F70-C0D3-4397-AABB-1B48599EEA39}"/>
+                  <a16:creationId xmlns="" xmlns:a16="http://schemas.microsoft.com/office/drawing/2014/main" id="{98F07F70-C0D3-4397-AABB-1B48599EEA39}"/>
                 </a:ext>
               </a:extLst>
             </p:cNvPr>
@@ -7540,7 +7541,7 @@
             <p:nvPr>
               <p:extLst>
                 <p:ext uri="{386F3935-93C4-4BCD-93E2-E3B085C9AB24}">
-                  <p16:designElem xmlns:p16="http://schemas.microsoft.com/office/powerpoint/2015/main" val="1"/>
+                  <p16:designElem xmlns="" xmlns:p16="http://schemas.microsoft.com/office/powerpoint/2015/main" val="1"/>
                 </p:ext>
               </p:extLst>
             </p:nvPr>
@@ -7590,7 +7591,7 @@
             <p:cNvPr id="26" name="Freeform 7">
               <a:extLst>
                 <a:ext uri="{FF2B5EF4-FFF2-40B4-BE49-F238E27FC236}">
-                  <a16:creationId xmlns:a16="http://schemas.microsoft.com/office/drawing/2014/main" id="{DA8D4D12-8066-414D-9ADE-E57A157B133A}"/>
+                  <a16:creationId xmlns="" xmlns:a16="http://schemas.microsoft.com/office/drawing/2014/main" id="{DA8D4D12-8066-414D-9ADE-E57A157B133A}"/>
                 </a:ext>
               </a:extLst>
             </p:cNvPr>
@@ -7598,7 +7599,7 @@
             <p:nvPr>
               <p:extLst>
                 <p:ext uri="{386F3935-93C4-4BCD-93E2-E3B085C9AB24}">
-                  <p16:designElem xmlns:p16="http://schemas.microsoft.com/office/powerpoint/2015/main" val="1"/>
+                  <p16:designElem xmlns="" xmlns:p16="http://schemas.microsoft.com/office/powerpoint/2015/main" val="1"/>
                 </p:ext>
               </p:extLst>
             </p:nvPr>
@@ -7654,7 +7655,7 @@
             <p:cNvPr id="27" name="Freeform 9">
               <a:extLst>
                 <a:ext uri="{FF2B5EF4-FFF2-40B4-BE49-F238E27FC236}">
-                  <a16:creationId xmlns:a16="http://schemas.microsoft.com/office/drawing/2014/main" id="{1B5991B5-30B0-43FC-B480-D46CDADA555D}"/>
+                  <a16:creationId xmlns="" xmlns:a16="http://schemas.microsoft.com/office/drawing/2014/main" id="{1B5991B5-30B0-43FC-B480-D46CDADA555D}"/>
                 </a:ext>
               </a:extLst>
             </p:cNvPr>
@@ -7662,7 +7663,7 @@
             <p:nvPr>
               <p:extLst>
                 <p:ext uri="{386F3935-93C4-4BCD-93E2-E3B085C9AB24}">
-                  <p16:designElem xmlns:p16="http://schemas.microsoft.com/office/powerpoint/2015/main" val="1"/>
+                  <p16:designElem xmlns="" xmlns:p16="http://schemas.microsoft.com/office/powerpoint/2015/main" val="1"/>
                 </p:ext>
               </p:extLst>
             </p:nvPr>
@@ -7712,7 +7713,7 @@
             <p:cNvPr id="28" name="Freeform 10">
               <a:extLst>
                 <a:ext uri="{FF2B5EF4-FFF2-40B4-BE49-F238E27FC236}">
-                  <a16:creationId xmlns:a16="http://schemas.microsoft.com/office/drawing/2014/main" id="{37C3E8EB-F89D-4213-AF06-BEC76C984680}"/>
+                  <a16:creationId xmlns="" xmlns:a16="http://schemas.microsoft.com/office/drawing/2014/main" id="{37C3E8EB-F89D-4213-AF06-BEC76C984680}"/>
                 </a:ext>
               </a:extLst>
             </p:cNvPr>
@@ -7720,7 +7721,7 @@
             <p:nvPr>
               <p:extLst>
                 <p:ext uri="{386F3935-93C4-4BCD-93E2-E3B085C9AB24}">
-                  <p16:designElem xmlns:p16="http://schemas.microsoft.com/office/powerpoint/2015/main" val="1"/>
+                  <p16:designElem xmlns="" xmlns:p16="http://schemas.microsoft.com/office/powerpoint/2015/main" val="1"/>
                 </p:ext>
               </p:extLst>
             </p:nvPr>
@@ -7769,7 +7770,7 @@
             <p:cNvPr id="29" name="Freeform 11">
               <a:extLst>
                 <a:ext uri="{FF2B5EF4-FFF2-40B4-BE49-F238E27FC236}">
-                  <a16:creationId xmlns:a16="http://schemas.microsoft.com/office/drawing/2014/main" id="{EBEC147A-2E68-4A61-9B16-14DEB275B430}"/>
+                  <a16:creationId xmlns="" xmlns:a16="http://schemas.microsoft.com/office/drawing/2014/main" id="{EBEC147A-2E68-4A61-9B16-14DEB275B430}"/>
                 </a:ext>
               </a:extLst>
             </p:cNvPr>
@@ -7777,7 +7778,7 @@
             <p:nvPr>
               <p:extLst>
                 <p:ext uri="{386F3935-93C4-4BCD-93E2-E3B085C9AB24}">
-                  <p16:designElem xmlns:p16="http://schemas.microsoft.com/office/powerpoint/2015/main" val="1"/>
+                  <p16:designElem xmlns="" xmlns:p16="http://schemas.microsoft.com/office/powerpoint/2015/main" val="1"/>
                 </p:ext>
               </p:extLst>
             </p:nvPr>
@@ -7832,7 +7833,7 @@
             <p:cNvPr id="30" name="Freeform 12">
               <a:extLst>
                 <a:ext uri="{FF2B5EF4-FFF2-40B4-BE49-F238E27FC236}">
-                  <a16:creationId xmlns:a16="http://schemas.microsoft.com/office/drawing/2014/main" id="{60875B87-EA27-4C1C-B44D-CA16609D7AE5}"/>
+                  <a16:creationId xmlns="" xmlns:a16="http://schemas.microsoft.com/office/drawing/2014/main" id="{60875B87-EA27-4C1C-B44D-CA16609D7AE5}"/>
                 </a:ext>
               </a:extLst>
             </p:cNvPr>
@@ -7840,7 +7841,7 @@
             <p:nvPr>
               <p:extLst>
                 <p:ext uri="{386F3935-93C4-4BCD-93E2-E3B085C9AB24}">
-                  <p16:designElem xmlns:p16="http://schemas.microsoft.com/office/powerpoint/2015/main" val="1"/>
+                  <p16:designElem xmlns="" xmlns:p16="http://schemas.microsoft.com/office/powerpoint/2015/main" val="1"/>
                 </p:ext>
               </p:extLst>
             </p:nvPr>
@@ -7903,7 +7904,7 @@
           <p:cNvPr id="2" name="Title 1">
             <a:extLst>
               <a:ext uri="{FF2B5EF4-FFF2-40B4-BE49-F238E27FC236}">
-                <a16:creationId xmlns:a16="http://schemas.microsoft.com/office/drawing/2014/main" id="{1E8861EB-A5E0-478D-9884-160BC60078BC}"/>
+                <a16:creationId xmlns="" xmlns:a16="http://schemas.microsoft.com/office/drawing/2014/main" id="{1E8861EB-A5E0-478D-9884-160BC60078BC}"/>
               </a:ext>
             </a:extLst>
           </p:cNvPr>
@@ -7938,7 +7939,7 @@
           <p:cNvPr id="33" name="Subtitle 2">
             <a:extLst>
               <a:ext uri="{FF2B5EF4-FFF2-40B4-BE49-F238E27FC236}">
-                <a16:creationId xmlns:a16="http://schemas.microsoft.com/office/drawing/2014/main" id="{4DEFC8B6-DE90-4044-BEA9-EF2D26437245}"/>
+                <a16:creationId xmlns="" xmlns:a16="http://schemas.microsoft.com/office/drawing/2014/main" id="{4DEFC8B6-DE90-4044-BEA9-EF2D26437245}"/>
               </a:ext>
             </a:extLst>
           </p:cNvPr>
@@ -8246,7 +8247,7 @@
           <p:cNvPr id="26" name="Content Placeholder 9" descr="A picture containing display&#10;&#10;Description generated with high confidence">
             <a:extLst>
               <a:ext uri="{FF2B5EF4-FFF2-40B4-BE49-F238E27FC236}">
-                <a16:creationId xmlns:a16="http://schemas.microsoft.com/office/drawing/2014/main" id="{CE7915AF-8D51-4F67-8E0B-0307E9639A34}"/>
+                <a16:creationId xmlns="" xmlns:a16="http://schemas.microsoft.com/office/drawing/2014/main" id="{CE7915AF-8D51-4F67-8E0B-0307E9639A34}"/>
               </a:ext>
             </a:extLst>
           </p:cNvPr>
@@ -8256,7 +8257,7 @@
           <p:nvPr/>
         </p:nvPicPr>
         <p:blipFill rotWithShape="1">
-          <a:blip r:embed="rId2">
+          <a:blip r:embed="rId2" cstate="print">
             <a:extLst>
               <a:ext uri="{28A0092B-C50C-407E-A947-70E740481C1C}">
                 <a14:useLocalDpi xmlns:a14="http://schemas.microsoft.com/office/drawing/2010/main" val="0"/>
@@ -8335,7 +8336,7 @@
           <p:cNvPr id="38" name="Content Placeholder 27">
             <a:extLst>
               <a:ext uri="{FF2B5EF4-FFF2-40B4-BE49-F238E27FC236}">
-                <a16:creationId xmlns:a16="http://schemas.microsoft.com/office/drawing/2014/main" id="{D3701D50-74EA-4263-93B3-9891326C4606}"/>
+                <a16:creationId xmlns="" xmlns:a16="http://schemas.microsoft.com/office/drawing/2014/main" id="{D3701D50-74EA-4263-93B3-9891326C4606}"/>
               </a:ext>
             </a:extLst>
           </p:cNvPr>
@@ -8348,8 +8349,8 @@
         </p:nvSpPr>
         <p:spPr>
           <a:xfrm>
-            <a:off x="1484311" y="2666999"/>
-            <a:ext cx="3333496" cy="3124201"/>
+            <a:off x="1484311" y="3038614"/>
+            <a:ext cx="3333496" cy="2173449"/>
           </a:xfrm>
         </p:spPr>
         <p:txBody>
@@ -8359,20 +8360,21 @@
           <a:lstStyle/>
           <a:p>
             <a:r>
+              <a:rPr lang="en-US" sz="3200" dirty="0" smtClean="0"/>
+              <a:t>Turn based</a:t>
+            </a:r>
+          </a:p>
+          <a:p>
+            <a:r>
+              <a:rPr lang="en-US" sz="3200" dirty="0" smtClean="0"/>
+              <a:t>Adversarial </a:t>
+            </a:r>
+            <a:endParaRPr lang="en-US" sz="3200" dirty="0"/>
+          </a:p>
+          <a:p>
+            <a:r>
               <a:rPr lang="en-US" sz="3200" dirty="0"/>
-              <a:t>Theme of game</a:t>
-            </a:r>
-          </a:p>
-          <a:p>
-            <a:r>
-              <a:rPr lang="en-US" sz="3200" dirty="0"/>
-              <a:t>Idea of game</a:t>
-            </a:r>
-          </a:p>
-          <a:p>
-            <a:r>
-              <a:rPr lang="en-US" sz="3200" dirty="0"/>
-              <a:t>Twitch / matching</a:t>
+              <a:t>Twitch </a:t>
             </a:r>
           </a:p>
         </p:txBody>
@@ -8402,12 +8404,47 @@
           <a:chExt cx="0" cy="0"/>
         </a:xfrm>
       </p:grpSpPr>
+      <p:sp>
+        <p:nvSpPr>
+          <p:cNvPr id="2" name="Title 1">
+            <a:extLst>
+              <a:ext uri="{FF2B5EF4-FFF2-40B4-BE49-F238E27FC236}">
+                <a16:creationId xmlns="" xmlns:a16="http://schemas.microsoft.com/office/drawing/2014/main" id="{4E4BBC76-6103-41CD-B995-381D1AFC5688}"/>
+              </a:ext>
+            </a:extLst>
+          </p:cNvPr>
+          <p:cNvSpPr>
+            <a:spLocks noGrp="1"/>
+          </p:cNvSpPr>
+          <p:nvPr>
+            <p:ph type="title"/>
+          </p:nvPr>
+        </p:nvSpPr>
+        <p:spPr>
+          <a:xfrm>
+            <a:off x="1978091" y="260315"/>
+            <a:ext cx="8229600" cy="1752599"/>
+          </a:xfrm>
+        </p:spPr>
+        <p:txBody>
+          <a:bodyPr>
+            <a:normAutofit/>
+          </a:bodyPr>
+          <a:lstStyle/>
+          <a:p>
+            <a:r>
+              <a:rPr lang="en-GB" sz="5400" dirty="0"/>
+              <a:t>Latest Prototype / Features</a:t>
+            </a:r>
+          </a:p>
+        </p:txBody>
+      </p:sp>
       <p:pic>
         <p:nvPicPr>
-          <p:cNvPr id="10" name="Content Placeholder 4" descr="A picture containing object&#10;&#10;Description generated with high confidence">
+          <p:cNvPr id="8" name="Picture 7" descr="A screenshot of a video game&#10;&#10;Description generated with high confidence">
             <a:extLst>
               <a:ext uri="{FF2B5EF4-FFF2-40B4-BE49-F238E27FC236}">
-                <a16:creationId xmlns:a16="http://schemas.microsoft.com/office/drawing/2014/main" id="{67EAD953-7B71-425F-A101-B88E87D24541}"/>
+                <a16:creationId xmlns="" xmlns:a16="http://schemas.microsoft.com/office/drawing/2014/main" id="{DB7238E7-158C-4AF6-8D6A-A1E6250C4F0D}"/>
               </a:ext>
             </a:extLst>
           </p:cNvPr>
@@ -8417,491 +8454,7 @@
           <p:nvPr/>
         </p:nvPicPr>
         <p:blipFill>
-          <a:blip r:embed="rId2">
-            <a:extLst>
-              <a:ext uri="{28A0092B-C50C-407E-A947-70E740481C1C}">
-                <a14:useLocalDpi xmlns:a14="http://schemas.microsoft.com/office/drawing/2010/main" val="0"/>
-              </a:ext>
-            </a:extLst>
-          </a:blip>
-          <a:stretch>
-            <a:fillRect/>
-          </a:stretch>
-        </p:blipFill>
-        <p:spPr>
-          <a:xfrm>
-            <a:off x="7552943" y="794347"/>
-            <a:ext cx="3950079" cy="2221919"/>
-          </a:xfrm>
-          <a:prstGeom prst="roundRect">
-            <a:avLst>
-              <a:gd name="adj" fmla="val 4380"/>
-            </a:avLst>
-          </a:prstGeom>
-          <a:ln w="38100">
-            <a:gradFill flip="none" rotWithShape="1">
-              <a:gsLst>
-                <a:gs pos="0">
-                  <a:schemeClr val="bg2"/>
-                </a:gs>
-                <a:gs pos="100000">
-                  <a:schemeClr val="bg2">
-                    <a:lumMod val="75000"/>
-                  </a:schemeClr>
-                </a:gs>
-              </a:gsLst>
-              <a:lin ang="5400000" scaled="0"/>
-              <a:tileRect/>
-            </a:gradFill>
-          </a:ln>
-          <a:effectLst>
-            <a:innerShdw blurRad="57150" dist="38100" dir="14460000">
-              <a:srgbClr val="000000">
-                <a:alpha val="70000"/>
-              </a:srgbClr>
-            </a:innerShdw>
-          </a:effectLst>
-        </p:spPr>
-      </p:pic>
-      <p:pic>
-        <p:nvPicPr>
-          <p:cNvPr id="7" name="Picture 6" descr="A drawing of a cartoon character&#10;&#10;Description generated with high confidence">
-            <a:extLst>
-              <a:ext uri="{FF2B5EF4-FFF2-40B4-BE49-F238E27FC236}">
-                <a16:creationId xmlns:a16="http://schemas.microsoft.com/office/drawing/2014/main" id="{8D6B1B51-C918-4A9A-9B2F-CC6457BA849D}"/>
-              </a:ext>
-            </a:extLst>
-          </p:cNvPr>
-          <p:cNvPicPr>
-            <a:picLocks noChangeAspect="1"/>
-          </p:cNvPicPr>
-          <p:nvPr/>
-        </p:nvPicPr>
-        <p:blipFill>
-          <a:blip r:embed="rId3">
-            <a:extLst>
-              <a:ext uri="{28A0092B-C50C-407E-A947-70E740481C1C}">
-                <a14:useLocalDpi xmlns:a14="http://schemas.microsoft.com/office/drawing/2010/main" val="0"/>
-              </a:ext>
-            </a:extLst>
-          </a:blip>
-          <a:stretch>
-            <a:fillRect/>
-          </a:stretch>
-        </p:blipFill>
-        <p:spPr>
-          <a:xfrm>
-            <a:off x="7552943" y="3541248"/>
-            <a:ext cx="3950079" cy="2221919"/>
-          </a:xfrm>
-          <a:prstGeom prst="roundRect">
-            <a:avLst>
-              <a:gd name="adj" fmla="val 4380"/>
-            </a:avLst>
-          </a:prstGeom>
-          <a:ln w="38100">
-            <a:gradFill flip="none" rotWithShape="1">
-              <a:gsLst>
-                <a:gs pos="0">
-                  <a:schemeClr val="bg2"/>
-                </a:gs>
-                <a:gs pos="100000">
-                  <a:schemeClr val="bg2">
-                    <a:lumMod val="75000"/>
-                  </a:schemeClr>
-                </a:gs>
-              </a:gsLst>
-              <a:lin ang="5400000" scaled="0"/>
-              <a:tileRect/>
-            </a:gradFill>
-          </a:ln>
-          <a:effectLst>
-            <a:innerShdw blurRad="57150" dist="38100" dir="14460000">
-              <a:srgbClr val="000000">
-                <a:alpha val="70000"/>
-              </a:srgbClr>
-            </a:innerShdw>
-          </a:effectLst>
-        </p:spPr>
-      </p:pic>
-      <p:sp>
-        <p:nvSpPr>
-          <p:cNvPr id="2" name="Title 1"/>
-          <p:cNvSpPr>
-            <a:spLocks noGrp="1"/>
-          </p:cNvSpPr>
-          <p:nvPr>
-            <p:ph type="title"/>
-          </p:nvPr>
-        </p:nvSpPr>
-        <p:spPr>
-          <a:xfrm>
-            <a:off x="2454696" y="425320"/>
-            <a:ext cx="3815476" cy="1282959"/>
-          </a:xfrm>
-        </p:spPr>
-        <p:txBody>
-          <a:bodyPr>
-            <a:normAutofit/>
-          </a:bodyPr>
-          <a:lstStyle/>
-          <a:p>
-            <a:r>
-              <a:rPr lang="en-GB" sz="5400" dirty="0"/>
-              <a:t>Iterations</a:t>
-            </a:r>
-          </a:p>
-        </p:txBody>
-      </p:sp>
-      <p:sp>
-        <p:nvSpPr>
-          <p:cNvPr id="12" name="Content Placeholder 11">
-            <a:extLst>
-              <a:ext uri="{FF2B5EF4-FFF2-40B4-BE49-F238E27FC236}">
-                <a16:creationId xmlns:a16="http://schemas.microsoft.com/office/drawing/2014/main" id="{78D2AB8A-0835-4292-9788-4726800D81F9}"/>
-              </a:ext>
-            </a:extLst>
-          </p:cNvPr>
-          <p:cNvSpPr>
-            <a:spLocks noGrp="1"/>
-          </p:cNvSpPr>
-          <p:nvPr>
-            <p:ph idx="1"/>
-          </p:nvPr>
-        </p:nvSpPr>
-        <p:spPr>
-          <a:xfrm>
-            <a:off x="1484311" y="1708279"/>
-            <a:ext cx="5747778" cy="4082921"/>
-          </a:xfrm>
-        </p:spPr>
-        <p:txBody>
-          <a:bodyPr>
-            <a:normAutofit/>
-          </a:bodyPr>
-          <a:lstStyle/>
-          <a:p>
-            <a:r>
-              <a:rPr lang="en-US" sz="3200" dirty="0"/>
-              <a:t>Picture 1:</a:t>
-            </a:r>
-          </a:p>
-          <a:p>
-            <a:r>
-              <a:rPr lang="en-US" sz="3200" dirty="0"/>
-              <a:t> Nodes falling down</a:t>
-            </a:r>
-          </a:p>
-          <a:p>
-            <a:r>
-              <a:rPr lang="en-US" sz="3200" dirty="0"/>
-              <a:t>Reverse Tug of War</a:t>
-            </a:r>
-          </a:p>
-          <a:p>
-            <a:r>
-              <a:rPr lang="en-US" sz="3200" dirty="0"/>
-              <a:t>Picture 2: </a:t>
-            </a:r>
-          </a:p>
-          <a:p>
-            <a:r>
-              <a:rPr lang="en-US" sz="3200" dirty="0"/>
-              <a:t>Background</a:t>
-            </a:r>
-          </a:p>
-          <a:p>
-            <a:r>
-              <a:rPr lang="en-US" sz="3200" dirty="0"/>
-              <a:t>Theme</a:t>
-            </a:r>
-          </a:p>
-        </p:txBody>
-      </p:sp>
-    </p:spTree>
-    <p:extLst>
-      <p:ext uri="{BB962C8B-B14F-4D97-AF65-F5344CB8AC3E}">
-        <p14:creationId xmlns:p14="http://schemas.microsoft.com/office/powerpoint/2010/main" val="3053552553"/>
-      </p:ext>
-    </p:extLst>
-  </p:cSld>
-  <p:clrMapOvr>
-    <a:masterClrMapping/>
-  </p:clrMapOvr>
-</p:sld>
-</file>
-
-<file path=ppt/slides/slide4.xml><?xml version="1.0" encoding="utf-8"?>
-<p:sld xmlns:a="http://schemas.openxmlformats.org/drawingml/2006/main" xmlns:r="http://schemas.openxmlformats.org/officeDocument/2006/relationships" xmlns:p="http://schemas.openxmlformats.org/presentationml/2006/main">
-  <p:cSld>
-    <p:spTree>
-      <p:nvGrpSpPr>
-        <p:cNvPr id="1" name=""/>
-        <p:cNvGrpSpPr/>
-        <p:nvPr/>
-      </p:nvGrpSpPr>
-      <p:grpSpPr>
-        <a:xfrm>
-          <a:off x="0" y="0"/>
-          <a:ext cx="0" cy="0"/>
-          <a:chOff x="0" y="0"/>
-          <a:chExt cx="0" cy="0"/>
-        </a:xfrm>
-      </p:grpSpPr>
-      <p:pic>
-        <p:nvPicPr>
-          <p:cNvPr id="8" name="Content Placeholder 4" descr="A close up of a machine&#10;&#10;Description generated with high confidence">
-            <a:extLst>
-              <a:ext uri="{FF2B5EF4-FFF2-40B4-BE49-F238E27FC236}">
-                <a16:creationId xmlns:a16="http://schemas.microsoft.com/office/drawing/2014/main" id="{3ACCC0AF-D587-44C1-AE00-CD0E65BF30BA}"/>
-              </a:ext>
-            </a:extLst>
-          </p:cNvPr>
-          <p:cNvPicPr>
-            <a:picLocks noChangeAspect="1"/>
-          </p:cNvPicPr>
-          <p:nvPr/>
-        </p:nvPicPr>
-        <p:blipFill>
-          <a:blip r:embed="rId2">
-            <a:extLst>
-              <a:ext uri="{28A0092B-C50C-407E-A947-70E740481C1C}">
-                <a14:useLocalDpi xmlns:a14="http://schemas.microsoft.com/office/drawing/2010/main" val="0"/>
-              </a:ext>
-            </a:extLst>
-          </a:blip>
-          <a:stretch>
-            <a:fillRect/>
-          </a:stretch>
-        </p:blipFill>
-        <p:spPr>
-          <a:xfrm>
-            <a:off x="1634170" y="1287623"/>
-            <a:ext cx="2956118" cy="4681605"/>
-          </a:xfrm>
-          <a:prstGeom prst="roundRect">
-            <a:avLst>
-              <a:gd name="adj" fmla="val 4380"/>
-            </a:avLst>
-          </a:prstGeom>
-          <a:ln w="38100">
-            <a:gradFill flip="none" rotWithShape="1">
-              <a:gsLst>
-                <a:gs pos="0">
-                  <a:schemeClr val="bg2"/>
-                </a:gs>
-                <a:gs pos="100000">
-                  <a:schemeClr val="bg2">
-                    <a:lumMod val="75000"/>
-                  </a:schemeClr>
-                </a:gs>
-              </a:gsLst>
-              <a:lin ang="5400000" scaled="0"/>
-              <a:tileRect/>
-            </a:gradFill>
-          </a:ln>
-          <a:effectLst>
-            <a:innerShdw blurRad="57150" dist="38100" dir="14460000">
-              <a:srgbClr val="000000">
-                <a:alpha val="70000"/>
-              </a:srgbClr>
-            </a:innerShdw>
-          </a:effectLst>
-        </p:spPr>
-      </p:pic>
-      <p:sp>
-        <p:nvSpPr>
-          <p:cNvPr id="2" name="Title 1">
-            <a:extLst>
-              <a:ext uri="{FF2B5EF4-FFF2-40B4-BE49-F238E27FC236}">
-                <a16:creationId xmlns:a16="http://schemas.microsoft.com/office/drawing/2014/main" id="{78161224-D0AC-40C2-B289-8552D5A386B9}"/>
-              </a:ext>
-            </a:extLst>
-          </p:cNvPr>
-          <p:cNvSpPr>
-            <a:spLocks noGrp="1"/>
-          </p:cNvSpPr>
-          <p:nvPr>
-            <p:ph type="title"/>
-          </p:nvPr>
-        </p:nvSpPr>
-        <p:spPr>
-          <a:xfrm>
-            <a:off x="3485726" y="102287"/>
-            <a:ext cx="6440424" cy="1185333"/>
-          </a:xfrm>
-        </p:spPr>
-        <p:txBody>
-          <a:bodyPr>
-            <a:normAutofit/>
-          </a:bodyPr>
-          <a:lstStyle/>
-          <a:p>
-            <a:r>
-              <a:rPr lang="en-GB" sz="5400" dirty="0"/>
-              <a:t>Iterations Continued</a:t>
-            </a:r>
-          </a:p>
-        </p:txBody>
-      </p:sp>
-      <p:sp>
-        <p:nvSpPr>
-          <p:cNvPr id="10" name="Content Placeholder 9">
-            <a:extLst>
-              <a:ext uri="{FF2B5EF4-FFF2-40B4-BE49-F238E27FC236}">
-                <a16:creationId xmlns:a16="http://schemas.microsoft.com/office/drawing/2014/main" id="{9D583C26-E127-46C8-BF6C-1EC32AEC2C97}"/>
-              </a:ext>
-            </a:extLst>
-          </p:cNvPr>
-          <p:cNvSpPr>
-            <a:spLocks noGrp="1"/>
-          </p:cNvSpPr>
-          <p:nvPr>
-            <p:ph idx="1"/>
-          </p:nvPr>
-        </p:nvSpPr>
-        <p:spPr>
-          <a:xfrm>
-            <a:off x="4717368" y="1973080"/>
-            <a:ext cx="3960102" cy="3597300"/>
-          </a:xfrm>
-        </p:spPr>
-        <p:txBody>
-          <a:bodyPr>
-            <a:normAutofit/>
-          </a:bodyPr>
-          <a:lstStyle/>
-          <a:p>
-            <a:r>
-              <a:rPr lang="en-US" sz="3200" dirty="0"/>
-              <a:t>Other design ideas not yet spoken about</a:t>
-            </a:r>
-          </a:p>
-          <a:p>
-            <a:r>
-              <a:rPr lang="en-US" sz="3200" dirty="0"/>
-              <a:t>Where the game is at now</a:t>
-            </a:r>
-          </a:p>
-        </p:txBody>
-      </p:sp>
-      <p:pic>
-        <p:nvPicPr>
-          <p:cNvPr id="6" name="Picture 5" descr="A screenshot of a cell phone&#10;&#10;Description generated with very high confidence">
-            <a:extLst>
-              <a:ext uri="{FF2B5EF4-FFF2-40B4-BE49-F238E27FC236}">
-                <a16:creationId xmlns:a16="http://schemas.microsoft.com/office/drawing/2014/main" id="{93263B93-4AA8-4FC4-BCFF-13748B46B792}"/>
-              </a:ext>
-            </a:extLst>
-          </p:cNvPr>
-          <p:cNvPicPr>
-            <a:picLocks noChangeAspect="1"/>
-          </p:cNvPicPr>
-          <p:nvPr/>
-        </p:nvPicPr>
-        <p:blipFill>
-          <a:blip r:embed="rId3">
-            <a:extLst>
-              <a:ext uri="{28A0092B-C50C-407E-A947-70E740481C1C}">
-                <a14:useLocalDpi xmlns:a14="http://schemas.microsoft.com/office/drawing/2010/main" val="0"/>
-              </a:ext>
-            </a:extLst>
-          </a:blip>
-          <a:stretch>
-            <a:fillRect/>
-          </a:stretch>
-        </p:blipFill>
-        <p:spPr>
-          <a:xfrm rot="16200000">
-            <a:off x="7960722" y="2136311"/>
-            <a:ext cx="4653498" cy="2956118"/>
-          </a:xfrm>
-          <a:prstGeom prst="rect">
-            <a:avLst/>
-          </a:prstGeom>
-        </p:spPr>
-      </p:pic>
-    </p:spTree>
-    <p:extLst>
-      <p:ext uri="{BB962C8B-B14F-4D97-AF65-F5344CB8AC3E}">
-        <p14:creationId xmlns:p14="http://schemas.microsoft.com/office/powerpoint/2010/main" val="3961623385"/>
-      </p:ext>
-    </p:extLst>
-  </p:cSld>
-  <p:clrMapOvr>
-    <a:masterClrMapping/>
-  </p:clrMapOvr>
-</p:sld>
-</file>
-
-<file path=ppt/slides/slide5.xml><?xml version="1.0" encoding="utf-8"?>
-<p:sld xmlns:a="http://schemas.openxmlformats.org/drawingml/2006/main" xmlns:r="http://schemas.openxmlformats.org/officeDocument/2006/relationships" xmlns:p="http://schemas.openxmlformats.org/presentationml/2006/main">
-  <p:cSld>
-    <p:spTree>
-      <p:nvGrpSpPr>
-        <p:cNvPr id="1" name=""/>
-        <p:cNvGrpSpPr/>
-        <p:nvPr/>
-      </p:nvGrpSpPr>
-      <p:grpSpPr>
-        <a:xfrm>
-          <a:off x="0" y="0"/>
-          <a:ext cx="0" cy="0"/>
-          <a:chOff x="0" y="0"/>
-          <a:chExt cx="0" cy="0"/>
-        </a:xfrm>
-      </p:grpSpPr>
-      <p:sp>
-        <p:nvSpPr>
-          <p:cNvPr id="2" name="Title 1">
-            <a:extLst>
-              <a:ext uri="{FF2B5EF4-FFF2-40B4-BE49-F238E27FC236}">
-                <a16:creationId xmlns:a16="http://schemas.microsoft.com/office/drawing/2014/main" id="{4E4BBC76-6103-41CD-B995-381D1AFC5688}"/>
-              </a:ext>
-            </a:extLst>
-          </p:cNvPr>
-          <p:cNvSpPr>
-            <a:spLocks noGrp="1"/>
-          </p:cNvSpPr>
-          <p:nvPr>
-            <p:ph type="title"/>
-          </p:nvPr>
-        </p:nvSpPr>
-        <p:spPr>
-          <a:xfrm>
-            <a:off x="1978091" y="260315"/>
-            <a:ext cx="8229600" cy="1752599"/>
-          </a:xfrm>
-        </p:spPr>
-        <p:txBody>
-          <a:bodyPr>
-            <a:normAutofit/>
-          </a:bodyPr>
-          <a:lstStyle/>
-          <a:p>
-            <a:r>
-              <a:rPr lang="en-GB" sz="5400" dirty="0"/>
-              <a:t>Latest Prototype / Features</a:t>
-            </a:r>
-          </a:p>
-        </p:txBody>
-      </p:sp>
-      <p:pic>
-        <p:nvPicPr>
-          <p:cNvPr id="8" name="Picture 7" descr="A screenshot of a video game&#10;&#10;Description generated with high confidence">
-            <a:extLst>
-              <a:ext uri="{FF2B5EF4-FFF2-40B4-BE49-F238E27FC236}">
-                <a16:creationId xmlns:a16="http://schemas.microsoft.com/office/drawing/2014/main" id="{DB7238E7-158C-4AF6-8D6A-A1E6250C4F0D}"/>
-              </a:ext>
-            </a:extLst>
-          </p:cNvPr>
-          <p:cNvPicPr>
-            <a:picLocks noChangeAspect="1"/>
-          </p:cNvPicPr>
-          <p:nvPr/>
-        </p:nvPicPr>
-        <p:blipFill>
-          <a:blip r:embed="rId2">
+          <a:blip r:embed="rId2" cstate="print">
             <a:extLst>
               <a:ext uri="{28A0092B-C50C-407E-A947-70E740481C1C}">
                 <a14:useLocalDpi xmlns:a14="http://schemas.microsoft.com/office/drawing/2010/main" val="0"/>
@@ -8957,7 +8510,7 @@
           <p:cNvPr id="12" name="Graphic 11" descr="User">
             <a:extLst>
               <a:ext uri="{FF2B5EF4-FFF2-40B4-BE49-F238E27FC236}">
-                <a16:creationId xmlns:a16="http://schemas.microsoft.com/office/drawing/2014/main" id="{0314C883-94F7-4051-80F2-60BD4B4D7612}"/>
+                <a16:creationId xmlns="" xmlns:a16="http://schemas.microsoft.com/office/drawing/2014/main" id="{0314C883-94F7-4051-80F2-60BD4B4D7612}"/>
               </a:ext>
             </a:extLst>
           </p:cNvPr>
@@ -8967,13 +8520,13 @@
           <p:nvPr/>
         </p:nvPicPr>
         <p:blipFill>
-          <a:blip r:embed="rId3">
+          <a:blip r:embed="rId3" cstate="print">
             <a:extLst>
               <a:ext uri="{28A0092B-C50C-407E-A947-70E740481C1C}">
                 <a14:useLocalDpi xmlns:a14="http://schemas.microsoft.com/office/drawing/2010/main" val="0"/>
               </a:ext>
               <a:ext uri="{96DAC541-7B7A-43D3-8B79-37D633B846F1}">
-                <asvg:svgBlip xmlns:asvg="http://schemas.microsoft.com/office/drawing/2016/SVG/main" r:embed="rId4"/>
+                <asvg:svgBlip xmlns="" xmlns:asvg="http://schemas.microsoft.com/office/drawing/2016/SVG/main" r:embed="rId4"/>
               </a:ext>
             </a:extLst>
           </a:blip>
@@ -8996,7 +8549,7 @@
           <p:cNvPr id="45" name="Graphic 44" descr="User">
             <a:extLst>
               <a:ext uri="{FF2B5EF4-FFF2-40B4-BE49-F238E27FC236}">
-                <a16:creationId xmlns:a16="http://schemas.microsoft.com/office/drawing/2014/main" id="{7EF9DED7-FAB3-46EE-8B49-0D25105EFE84}"/>
+                <a16:creationId xmlns="" xmlns:a16="http://schemas.microsoft.com/office/drawing/2014/main" id="{7EF9DED7-FAB3-46EE-8B49-0D25105EFE84}"/>
               </a:ext>
             </a:extLst>
           </p:cNvPr>
@@ -9006,13 +8559,13 @@
           <p:nvPr/>
         </p:nvPicPr>
         <p:blipFill>
-          <a:blip r:embed="rId3">
+          <a:blip r:embed="rId3" cstate="print">
             <a:extLst>
               <a:ext uri="{28A0092B-C50C-407E-A947-70E740481C1C}">
                 <a14:useLocalDpi xmlns:a14="http://schemas.microsoft.com/office/drawing/2010/main" val="0"/>
               </a:ext>
               <a:ext uri="{96DAC541-7B7A-43D3-8B79-37D633B846F1}">
-                <asvg:svgBlip xmlns:asvg="http://schemas.microsoft.com/office/drawing/2016/SVG/main" r:embed="rId4"/>
+                <asvg:svgBlip xmlns="" xmlns:asvg="http://schemas.microsoft.com/office/drawing/2016/SVG/main" r:embed="rId4"/>
               </a:ext>
             </a:extLst>
           </a:blip>
@@ -9043,7 +8596,7 @@
 </p:sld>
 </file>
 
-<file path=ppt/slides/slide6.xml><?xml version="1.0" encoding="utf-8"?>
+<file path=ppt/slides/slide4.xml><?xml version="1.0" encoding="utf-8"?>
 <p:sld xmlns:a="http://schemas.openxmlformats.org/drawingml/2006/main" xmlns:r="http://schemas.openxmlformats.org/officeDocument/2006/relationships" xmlns:p="http://schemas.openxmlformats.org/presentationml/2006/main">
   <p:cSld>
     <p:spTree>
@@ -9065,7 +8618,7 @@
           <p:cNvPr id="10" name="Content Placeholder 4" descr="A picture containing object&#10;&#10;Description generated with very high confidence">
             <a:extLst>
               <a:ext uri="{FF2B5EF4-FFF2-40B4-BE49-F238E27FC236}">
-                <a16:creationId xmlns:a16="http://schemas.microsoft.com/office/drawing/2014/main" id="{4D445EFE-53B0-4C18-B9FD-992643E5522A}"/>
+                <a16:creationId xmlns="" xmlns:a16="http://schemas.microsoft.com/office/drawing/2014/main" id="{4D445EFE-53B0-4C18-B9FD-992643E5522A}"/>
               </a:ext>
             </a:extLst>
           </p:cNvPr>
@@ -9126,7 +8679,7 @@
           <p:cNvPr id="7" name="Picture 6">
             <a:extLst>
               <a:ext uri="{FF2B5EF4-FFF2-40B4-BE49-F238E27FC236}">
-                <a16:creationId xmlns:a16="http://schemas.microsoft.com/office/drawing/2014/main" id="{CADB5056-2D5C-41A6-818C-ED7E0145F928}"/>
+                <a16:creationId xmlns="" xmlns:a16="http://schemas.microsoft.com/office/drawing/2014/main" id="{CADB5056-2D5C-41A6-818C-ED7E0145F928}"/>
               </a:ext>
             </a:extLst>
           </p:cNvPr>
@@ -9187,7 +8740,7 @@
           <p:cNvPr id="2" name="Title 1">
             <a:extLst>
               <a:ext uri="{FF2B5EF4-FFF2-40B4-BE49-F238E27FC236}">
-                <a16:creationId xmlns:a16="http://schemas.microsoft.com/office/drawing/2014/main" id="{E671B3EA-ACB1-49EB-B5D9-A56196D52C19}"/>
+                <a16:creationId xmlns="" xmlns:a16="http://schemas.microsoft.com/office/drawing/2014/main" id="{E671B3EA-ACB1-49EB-B5D9-A56196D52C19}"/>
               </a:ext>
             </a:extLst>
           </p:cNvPr>
@@ -9222,7 +8775,7 @@
           <p:cNvPr id="12" name="Content Placeholder 11">
             <a:extLst>
               <a:ext uri="{FF2B5EF4-FFF2-40B4-BE49-F238E27FC236}">
-                <a16:creationId xmlns:a16="http://schemas.microsoft.com/office/drawing/2014/main" id="{D3EAFD20-49F1-48FD-9B6C-F08B89691CFB}"/>
+                <a16:creationId xmlns="" xmlns:a16="http://schemas.microsoft.com/office/drawing/2014/main" id="{D3EAFD20-49F1-48FD-9B6C-F08B89691CFB}"/>
               </a:ext>
             </a:extLst>
           </p:cNvPr>
@@ -9247,14 +8800,34 @@
           <a:p>
             <a:r>
               <a:rPr lang="en-US" sz="3200" dirty="0"/>
-              <a:t>Core game loop</a:t>
-            </a:r>
-          </a:p>
-          <a:p>
-            <a:r>
-              <a:rPr lang="en-US" sz="3200" dirty="0"/>
-              <a:t>Actions the player does</a:t>
-            </a:r>
+              <a:t>Core game </a:t>
+            </a:r>
+            <a:r>
+              <a:rPr lang="en-US" sz="3200" dirty="0" smtClean="0"/>
+              <a:t>loop</a:t>
+            </a:r>
+          </a:p>
+          <a:p>
+            <a:pPr lvl="1"/>
+            <a:r>
+              <a:rPr lang="en-US" sz="2800" dirty="0" smtClean="0"/>
+              <a:t>Player one begins play</a:t>
+            </a:r>
+          </a:p>
+          <a:p>
+            <a:pPr lvl="1"/>
+            <a:r>
+              <a:rPr lang="en-US" sz="2800" dirty="0" smtClean="0"/>
+              <a:t>Completes order</a:t>
+            </a:r>
+          </a:p>
+          <a:p>
+            <a:pPr lvl="1"/>
+            <a:r>
+              <a:rPr lang="en-US" sz="2800" dirty="0" smtClean="0"/>
+              <a:t>Turns switched</a:t>
+            </a:r>
+            <a:endParaRPr lang="en-US" sz="2800" dirty="0"/>
           </a:p>
         </p:txBody>
       </p:sp>
@@ -9262,6 +8835,449 @@
     <p:extLst>
       <p:ext uri="{BB962C8B-B14F-4D97-AF65-F5344CB8AC3E}">
         <p14:creationId xmlns:p14="http://schemas.microsoft.com/office/powerpoint/2010/main" val="2347605692"/>
+      </p:ext>
+    </p:extLst>
+  </p:cSld>
+  <p:clrMapOvr>
+    <a:masterClrMapping/>
+  </p:clrMapOvr>
+</p:sld>
+</file>
+
+<file path=ppt/slides/slide5.xml><?xml version="1.0" encoding="utf-8"?>
+<p:sld xmlns:a="http://schemas.openxmlformats.org/drawingml/2006/main" xmlns:r="http://schemas.openxmlformats.org/officeDocument/2006/relationships" xmlns:p="http://schemas.openxmlformats.org/presentationml/2006/main">
+  <p:cSld>
+    <p:spTree>
+      <p:nvGrpSpPr>
+        <p:cNvPr id="1" name=""/>
+        <p:cNvGrpSpPr/>
+        <p:nvPr/>
+      </p:nvGrpSpPr>
+      <p:grpSpPr>
+        <a:xfrm>
+          <a:off x="0" y="0"/>
+          <a:ext cx="0" cy="0"/>
+          <a:chOff x="0" y="0"/>
+          <a:chExt cx="0" cy="0"/>
+        </a:xfrm>
+      </p:grpSpPr>
+      <p:pic>
+        <p:nvPicPr>
+          <p:cNvPr id="10" name="Content Placeholder 4" descr="A picture containing object&#10;&#10;Description generated with high confidence">
+            <a:extLst>
+              <a:ext uri="{FF2B5EF4-FFF2-40B4-BE49-F238E27FC236}">
+                <a16:creationId xmlns="" xmlns:a16="http://schemas.microsoft.com/office/drawing/2014/main" id="{67EAD953-7B71-425F-A101-B88E87D24541}"/>
+              </a:ext>
+            </a:extLst>
+          </p:cNvPr>
+          <p:cNvPicPr>
+            <a:picLocks noChangeAspect="1"/>
+          </p:cNvPicPr>
+          <p:nvPr/>
+        </p:nvPicPr>
+        <p:blipFill>
+          <a:blip r:embed="rId2" cstate="print">
+            <a:extLst>
+              <a:ext uri="{28A0092B-C50C-407E-A947-70E740481C1C}">
+                <a14:useLocalDpi xmlns:a14="http://schemas.microsoft.com/office/drawing/2010/main" val="0"/>
+              </a:ext>
+            </a:extLst>
+          </a:blip>
+          <a:stretch>
+            <a:fillRect/>
+          </a:stretch>
+        </p:blipFill>
+        <p:spPr>
+          <a:xfrm>
+            <a:off x="7552942" y="794346"/>
+            <a:ext cx="3950079" cy="2221919"/>
+          </a:xfrm>
+          <a:prstGeom prst="roundRect">
+            <a:avLst>
+              <a:gd name="adj" fmla="val 4380"/>
+            </a:avLst>
+          </a:prstGeom>
+          <a:ln w="38100">
+            <a:gradFill flip="none" rotWithShape="1">
+              <a:gsLst>
+                <a:gs pos="0">
+                  <a:schemeClr val="bg2"/>
+                </a:gs>
+                <a:gs pos="100000">
+                  <a:schemeClr val="bg2">
+                    <a:lumMod val="75000"/>
+                  </a:schemeClr>
+                </a:gs>
+              </a:gsLst>
+              <a:lin ang="5400000" scaled="0"/>
+              <a:tileRect/>
+            </a:gradFill>
+          </a:ln>
+          <a:effectLst>
+            <a:innerShdw blurRad="57150" dist="38100" dir="14460000">
+              <a:srgbClr val="000000">
+                <a:alpha val="70000"/>
+              </a:srgbClr>
+            </a:innerShdw>
+          </a:effectLst>
+        </p:spPr>
+      </p:pic>
+      <p:pic>
+        <p:nvPicPr>
+          <p:cNvPr id="7" name="Picture 6" descr="A drawing of a cartoon character&#10;&#10;Description generated with high confidence">
+            <a:extLst>
+              <a:ext uri="{FF2B5EF4-FFF2-40B4-BE49-F238E27FC236}">
+                <a16:creationId xmlns="" xmlns:a16="http://schemas.microsoft.com/office/drawing/2014/main" id="{8D6B1B51-C918-4A9A-9B2F-CC6457BA849D}"/>
+              </a:ext>
+            </a:extLst>
+          </p:cNvPr>
+          <p:cNvPicPr>
+            <a:picLocks noChangeAspect="1"/>
+          </p:cNvPicPr>
+          <p:nvPr/>
+        </p:nvPicPr>
+        <p:blipFill>
+          <a:blip r:embed="rId3" cstate="print">
+            <a:extLst>
+              <a:ext uri="{28A0092B-C50C-407E-A947-70E740481C1C}">
+                <a14:useLocalDpi xmlns:a14="http://schemas.microsoft.com/office/drawing/2010/main" val="0"/>
+              </a:ext>
+            </a:extLst>
+          </a:blip>
+          <a:stretch>
+            <a:fillRect/>
+          </a:stretch>
+        </p:blipFill>
+        <p:spPr>
+          <a:xfrm>
+            <a:off x="7552943" y="3541248"/>
+            <a:ext cx="3950079" cy="2221919"/>
+          </a:xfrm>
+          <a:prstGeom prst="roundRect">
+            <a:avLst>
+              <a:gd name="adj" fmla="val 4380"/>
+            </a:avLst>
+          </a:prstGeom>
+          <a:ln w="38100">
+            <a:gradFill flip="none" rotWithShape="1">
+              <a:gsLst>
+                <a:gs pos="0">
+                  <a:schemeClr val="bg2"/>
+                </a:gs>
+                <a:gs pos="100000">
+                  <a:schemeClr val="bg2">
+                    <a:lumMod val="75000"/>
+                  </a:schemeClr>
+                </a:gs>
+              </a:gsLst>
+              <a:lin ang="5400000" scaled="0"/>
+              <a:tileRect/>
+            </a:gradFill>
+          </a:ln>
+          <a:effectLst>
+            <a:innerShdw blurRad="57150" dist="38100" dir="14460000">
+              <a:srgbClr val="000000">
+                <a:alpha val="70000"/>
+              </a:srgbClr>
+            </a:innerShdw>
+          </a:effectLst>
+        </p:spPr>
+      </p:pic>
+      <p:sp>
+        <p:nvSpPr>
+          <p:cNvPr id="2" name="Title 1"/>
+          <p:cNvSpPr>
+            <a:spLocks noGrp="1"/>
+          </p:cNvSpPr>
+          <p:nvPr>
+            <p:ph type="title"/>
+          </p:nvPr>
+        </p:nvSpPr>
+        <p:spPr>
+          <a:xfrm>
+            <a:off x="2454696" y="425320"/>
+            <a:ext cx="3815476" cy="1282959"/>
+          </a:xfrm>
+        </p:spPr>
+        <p:txBody>
+          <a:bodyPr>
+            <a:normAutofit/>
+          </a:bodyPr>
+          <a:lstStyle/>
+          <a:p>
+            <a:r>
+              <a:rPr lang="en-GB" sz="5400" dirty="0"/>
+              <a:t>Iterations</a:t>
+            </a:r>
+          </a:p>
+        </p:txBody>
+      </p:sp>
+      <p:sp>
+        <p:nvSpPr>
+          <p:cNvPr id="12" name="Content Placeholder 11">
+            <a:extLst>
+              <a:ext uri="{FF2B5EF4-FFF2-40B4-BE49-F238E27FC236}">
+                <a16:creationId xmlns="" xmlns:a16="http://schemas.microsoft.com/office/drawing/2014/main" id="{78D2AB8A-0835-4292-9788-4726800D81F9}"/>
+              </a:ext>
+            </a:extLst>
+          </p:cNvPr>
+          <p:cNvSpPr>
+            <a:spLocks noGrp="1"/>
+          </p:cNvSpPr>
+          <p:nvPr>
+            <p:ph idx="1"/>
+          </p:nvPr>
+        </p:nvSpPr>
+        <p:spPr>
+          <a:xfrm>
+            <a:off x="1484311" y="1708279"/>
+            <a:ext cx="5747778" cy="4082921"/>
+          </a:xfrm>
+        </p:spPr>
+        <p:txBody>
+          <a:bodyPr>
+            <a:normAutofit/>
+          </a:bodyPr>
+          <a:lstStyle/>
+          <a:p>
+            <a:r>
+              <a:rPr lang="en-US" sz="3200" dirty="0" smtClean="0"/>
+              <a:t>Reverse Tug of War / Twitch</a:t>
+            </a:r>
+          </a:p>
+          <a:p>
+            <a:r>
+              <a:rPr lang="en-US" sz="3200" dirty="0" smtClean="0"/>
+              <a:t>Tap falling nodes</a:t>
+            </a:r>
+          </a:p>
+          <a:p>
+            <a:r>
+              <a:rPr lang="en-US" sz="3200" dirty="0" smtClean="0"/>
+              <a:t>Highest score wins</a:t>
+            </a:r>
+            <a:endParaRPr lang="en-US" sz="3200" dirty="0"/>
+          </a:p>
+          <a:p>
+            <a:r>
+              <a:rPr lang="en-US" sz="3200" dirty="0" smtClean="0"/>
+              <a:t>Side view</a:t>
+            </a:r>
+          </a:p>
+        </p:txBody>
+      </p:sp>
+    </p:spTree>
+    <p:extLst>
+      <p:ext uri="{BB962C8B-B14F-4D97-AF65-F5344CB8AC3E}">
+        <p14:creationId xmlns:p14="http://schemas.microsoft.com/office/powerpoint/2010/main" val="3053552553"/>
+      </p:ext>
+    </p:extLst>
+  </p:cSld>
+  <p:clrMapOvr>
+    <a:masterClrMapping/>
+  </p:clrMapOvr>
+</p:sld>
+</file>
+
+<file path=ppt/slides/slide6.xml><?xml version="1.0" encoding="utf-8"?>
+<p:sld xmlns:a="http://schemas.openxmlformats.org/drawingml/2006/main" xmlns:r="http://schemas.openxmlformats.org/officeDocument/2006/relationships" xmlns:p="http://schemas.openxmlformats.org/presentationml/2006/main">
+  <p:cSld>
+    <p:spTree>
+      <p:nvGrpSpPr>
+        <p:cNvPr id="1" name=""/>
+        <p:cNvGrpSpPr/>
+        <p:nvPr/>
+      </p:nvGrpSpPr>
+      <p:grpSpPr>
+        <a:xfrm>
+          <a:off x="0" y="0"/>
+          <a:ext cx="0" cy="0"/>
+          <a:chOff x="0" y="0"/>
+          <a:chExt cx="0" cy="0"/>
+        </a:xfrm>
+      </p:grpSpPr>
+      <p:pic>
+        <p:nvPicPr>
+          <p:cNvPr id="8" name="Content Placeholder 4" descr="A close up of a machine&#10;&#10;Description generated with high confidence">
+            <a:extLst>
+              <a:ext uri="{FF2B5EF4-FFF2-40B4-BE49-F238E27FC236}">
+                <a16:creationId xmlns="" xmlns:a16="http://schemas.microsoft.com/office/drawing/2014/main" id="{3ACCC0AF-D587-44C1-AE00-CD0E65BF30BA}"/>
+              </a:ext>
+            </a:extLst>
+          </p:cNvPr>
+          <p:cNvPicPr>
+            <a:picLocks noChangeAspect="1"/>
+          </p:cNvPicPr>
+          <p:nvPr/>
+        </p:nvPicPr>
+        <p:blipFill>
+          <a:blip r:embed="rId2" cstate="print">
+            <a:extLst>
+              <a:ext uri="{28A0092B-C50C-407E-A947-70E740481C1C}">
+                <a14:useLocalDpi xmlns:a14="http://schemas.microsoft.com/office/drawing/2010/main" val="0"/>
+              </a:ext>
+            </a:extLst>
+          </a:blip>
+          <a:stretch>
+            <a:fillRect/>
+          </a:stretch>
+        </p:blipFill>
+        <p:spPr>
+          <a:xfrm>
+            <a:off x="1407668" y="1287623"/>
+            <a:ext cx="2956118" cy="4681605"/>
+          </a:xfrm>
+          <a:prstGeom prst="roundRect">
+            <a:avLst>
+              <a:gd name="adj" fmla="val 4380"/>
+            </a:avLst>
+          </a:prstGeom>
+          <a:ln w="38100">
+            <a:gradFill flip="none" rotWithShape="1">
+              <a:gsLst>
+                <a:gs pos="0">
+                  <a:schemeClr val="bg2"/>
+                </a:gs>
+                <a:gs pos="100000">
+                  <a:schemeClr val="bg2">
+                    <a:lumMod val="75000"/>
+                  </a:schemeClr>
+                </a:gs>
+              </a:gsLst>
+              <a:lin ang="5400000" scaled="0"/>
+              <a:tileRect/>
+            </a:gradFill>
+          </a:ln>
+          <a:effectLst>
+            <a:innerShdw blurRad="57150" dist="38100" dir="14460000">
+              <a:srgbClr val="000000">
+                <a:alpha val="70000"/>
+              </a:srgbClr>
+            </a:innerShdw>
+          </a:effectLst>
+        </p:spPr>
+      </p:pic>
+      <p:sp>
+        <p:nvSpPr>
+          <p:cNvPr id="2" name="Title 1">
+            <a:extLst>
+              <a:ext uri="{FF2B5EF4-FFF2-40B4-BE49-F238E27FC236}">
+                <a16:creationId xmlns="" xmlns:a16="http://schemas.microsoft.com/office/drawing/2014/main" id="{78161224-D0AC-40C2-B289-8552D5A386B9}"/>
+              </a:ext>
+            </a:extLst>
+          </p:cNvPr>
+          <p:cNvSpPr>
+            <a:spLocks noGrp="1"/>
+          </p:cNvSpPr>
+          <p:nvPr>
+            <p:ph type="title"/>
+          </p:nvPr>
+        </p:nvSpPr>
+        <p:spPr>
+          <a:xfrm>
+            <a:off x="3485726" y="102287"/>
+            <a:ext cx="6440424" cy="1185333"/>
+          </a:xfrm>
+        </p:spPr>
+        <p:txBody>
+          <a:bodyPr>
+            <a:normAutofit/>
+          </a:bodyPr>
+          <a:lstStyle/>
+          <a:p>
+            <a:r>
+              <a:rPr lang="en-GB" sz="5400" dirty="0"/>
+              <a:t>Iterations Continued</a:t>
+            </a:r>
+          </a:p>
+        </p:txBody>
+      </p:sp>
+      <p:sp>
+        <p:nvSpPr>
+          <p:cNvPr id="10" name="Content Placeholder 9">
+            <a:extLst>
+              <a:ext uri="{FF2B5EF4-FFF2-40B4-BE49-F238E27FC236}">
+                <a16:creationId xmlns="" xmlns:a16="http://schemas.microsoft.com/office/drawing/2014/main" id="{9D583C26-E127-46C8-BF6C-1EC32AEC2C97}"/>
+              </a:ext>
+            </a:extLst>
+          </p:cNvPr>
+          <p:cNvSpPr>
+            <a:spLocks noGrp="1"/>
+          </p:cNvSpPr>
+          <p:nvPr>
+            <p:ph idx="1"/>
+          </p:nvPr>
+        </p:nvSpPr>
+        <p:spPr>
+          <a:xfrm>
+            <a:off x="4504888" y="1973080"/>
+            <a:ext cx="4404220" cy="3597300"/>
+          </a:xfrm>
+        </p:spPr>
+        <p:txBody>
+          <a:bodyPr>
+            <a:normAutofit/>
+          </a:bodyPr>
+          <a:lstStyle/>
+          <a:p>
+            <a:r>
+              <a:rPr lang="en-US" sz="3200" dirty="0" smtClean="0"/>
+              <a:t>Sushi theme</a:t>
+            </a:r>
+          </a:p>
+          <a:p>
+            <a:r>
+              <a:rPr lang="en-US" sz="3200" dirty="0" smtClean="0"/>
+              <a:t>Bring nodes </a:t>
+            </a:r>
+            <a:r>
+              <a:rPr lang="en-US" sz="3200" smtClean="0"/>
+              <a:t>into game</a:t>
+            </a:r>
+            <a:endParaRPr lang="en-US" sz="3200" dirty="0" smtClean="0"/>
+          </a:p>
+        </p:txBody>
+      </p:sp>
+      <p:pic>
+        <p:nvPicPr>
+          <p:cNvPr id="6" name="Picture 5" descr="A screenshot of a cell phone&#10;&#10;Description generated with very high confidence">
+            <a:extLst>
+              <a:ext uri="{FF2B5EF4-FFF2-40B4-BE49-F238E27FC236}">
+                <a16:creationId xmlns="" xmlns:a16="http://schemas.microsoft.com/office/drawing/2014/main" id="{93263B93-4AA8-4FC4-BCFF-13748B46B792}"/>
+              </a:ext>
+            </a:extLst>
+          </p:cNvPr>
+          <p:cNvPicPr>
+            <a:picLocks noChangeAspect="1"/>
+          </p:cNvPicPr>
+          <p:nvPr/>
+        </p:nvPicPr>
+        <p:blipFill>
+          <a:blip r:embed="rId3" cstate="print">
+            <a:extLst>
+              <a:ext uri="{28A0092B-C50C-407E-A947-70E740481C1C}">
+                <a14:useLocalDpi xmlns:a14="http://schemas.microsoft.com/office/drawing/2010/main" val="0"/>
+              </a:ext>
+            </a:extLst>
+          </a:blip>
+          <a:stretch>
+            <a:fillRect/>
+          </a:stretch>
+        </p:blipFill>
+        <p:spPr>
+          <a:xfrm rot="16200000">
+            <a:off x="8187224" y="2136310"/>
+            <a:ext cx="4653498" cy="2956118"/>
+          </a:xfrm>
+          <a:prstGeom prst="rect">
+            <a:avLst/>
+          </a:prstGeom>
+        </p:spPr>
+      </p:pic>
+    </p:spTree>
+    <p:extLst>
+      <p:ext uri="{BB962C8B-B14F-4D97-AF65-F5344CB8AC3E}">
+        <p14:creationId xmlns:p14="http://schemas.microsoft.com/office/powerpoint/2010/main" val="3961623385"/>
       </p:ext>
     </p:extLst>
   </p:cSld>
@@ -9293,7 +9309,7 @@
           <p:cNvPr id="5" name="Content Placeholder 2">
             <a:extLst>
               <a:ext uri="{FF2B5EF4-FFF2-40B4-BE49-F238E27FC236}">
-                <a16:creationId xmlns:a16="http://schemas.microsoft.com/office/drawing/2014/main" id="{0CEABE3A-C4A2-4A5F-B949-325978B65668}"/>
+                <a16:creationId xmlns="" xmlns:a16="http://schemas.microsoft.com/office/drawing/2014/main" id="{0CEABE3A-C4A2-4A5F-B949-325978B65668}"/>
               </a:ext>
             </a:extLst>
           </p:cNvPr>
@@ -9352,7 +9368,7 @@
           <p:cNvPr id="6" name="Title 1">
             <a:extLst>
               <a:ext uri="{FF2B5EF4-FFF2-40B4-BE49-F238E27FC236}">
-                <a16:creationId xmlns:a16="http://schemas.microsoft.com/office/drawing/2014/main" id="{4E4BBC76-6103-41CD-B995-381D1AFC5688}"/>
+                <a16:creationId xmlns="" xmlns:a16="http://schemas.microsoft.com/office/drawing/2014/main" id="{4E4BBC76-6103-41CD-B995-381D1AFC5688}"/>
               </a:ext>
             </a:extLst>
           </p:cNvPr>
@@ -9417,6 +9433,98 @@
             <p:ph type="title"/>
           </p:nvPr>
         </p:nvSpPr>
+        <p:spPr/>
+        <p:txBody>
+          <a:bodyPr>
+            <a:normAutofit/>
+          </a:bodyPr>
+          <a:lstStyle/>
+          <a:p>
+            <a:r>
+              <a:rPr lang="en-GB" sz="5400" dirty="0" smtClean="0"/>
+              <a:t>Critiques</a:t>
+            </a:r>
+            <a:endParaRPr lang="en-GB" sz="5400" dirty="0"/>
+          </a:p>
+        </p:txBody>
+      </p:sp>
+      <p:sp>
+        <p:nvSpPr>
+          <p:cNvPr id="3" name="Content Placeholder 2"/>
+          <p:cNvSpPr>
+            <a:spLocks noGrp="1"/>
+          </p:cNvSpPr>
+          <p:nvPr>
+            <p:ph idx="1"/>
+          </p:nvPr>
+        </p:nvSpPr>
+        <p:spPr/>
+        <p:txBody>
+          <a:bodyPr>
+            <a:normAutofit/>
+          </a:bodyPr>
+          <a:lstStyle/>
+          <a:p>
+            <a:r>
+              <a:rPr lang="en-GB" sz="3200" dirty="0" smtClean="0"/>
+              <a:t>Chef feedback</a:t>
+            </a:r>
+          </a:p>
+          <a:p>
+            <a:r>
+              <a:rPr lang="en-GB" sz="3200" dirty="0" smtClean="0"/>
+              <a:t>Interaction between two players</a:t>
+            </a:r>
+          </a:p>
+          <a:p>
+            <a:r>
+              <a:rPr lang="en-GB" sz="3200" dirty="0" smtClean="0"/>
+              <a:t>Speed increase</a:t>
+            </a:r>
+            <a:endParaRPr lang="en-GB" sz="3200" dirty="0"/>
+          </a:p>
+        </p:txBody>
+      </p:sp>
+    </p:spTree>
+    <p:extLst>
+      <p:ext uri="{BB962C8B-B14F-4D97-AF65-F5344CB8AC3E}">
+        <p14:creationId xmlns:p14="http://schemas.microsoft.com/office/powerpoint/2010/main" val="218389157"/>
+      </p:ext>
+    </p:extLst>
+  </p:cSld>
+  <p:clrMapOvr>
+    <a:masterClrMapping/>
+  </p:clrMapOvr>
+</p:sld>
+</file>
+
+<file path=ppt/slides/slide9.xml><?xml version="1.0" encoding="utf-8"?>
+<p:sld xmlns:a="http://schemas.openxmlformats.org/drawingml/2006/main" xmlns:r="http://schemas.openxmlformats.org/officeDocument/2006/relationships" xmlns:p="http://schemas.openxmlformats.org/presentationml/2006/main">
+  <p:cSld>
+    <p:spTree>
+      <p:nvGrpSpPr>
+        <p:cNvPr id="1" name=""/>
+        <p:cNvGrpSpPr/>
+        <p:nvPr/>
+      </p:nvGrpSpPr>
+      <p:grpSpPr>
+        <a:xfrm>
+          <a:off x="0" y="0"/>
+          <a:ext cx="0" cy="0"/>
+          <a:chOff x="0" y="0"/>
+          <a:chExt cx="0" cy="0"/>
+        </a:xfrm>
+      </p:grpSpPr>
+      <p:sp>
+        <p:nvSpPr>
+          <p:cNvPr id="2" name="Title 1"/>
+          <p:cNvSpPr>
+            <a:spLocks noGrp="1"/>
+          </p:cNvSpPr>
+          <p:nvPr>
+            <p:ph type="title"/>
+          </p:nvPr>
+        </p:nvSpPr>
         <p:spPr>
           <a:xfrm>
             <a:off x="3979217" y="2813341"/>
@@ -9443,7 +9551,7 @@
           <p:cNvPr id="6" name="Picture 5" descr="A close up of a logo&#10;&#10;Description generated with very high confidence">
             <a:extLst>
               <a:ext uri="{FF2B5EF4-FFF2-40B4-BE49-F238E27FC236}">
-                <a16:creationId xmlns:a16="http://schemas.microsoft.com/office/drawing/2014/main" id="{6DAB07D0-4449-459D-B629-88D9E60F7AE2}"/>
+                <a16:creationId xmlns="" xmlns:a16="http://schemas.microsoft.com/office/drawing/2014/main" id="{6DAB07D0-4449-459D-B629-88D9E60F7AE2}"/>
               </a:ext>
             </a:extLst>
           </p:cNvPr>
@@ -9453,7 +9561,7 @@
           <p:nvPr/>
         </p:nvPicPr>
         <p:blipFill>
-          <a:blip r:embed="rId2">
+          <a:blip r:embed="rId2" cstate="print">
             <a:extLst>
               <a:ext uri="{28A0092B-C50C-407E-A947-70E740481C1C}">
                 <a14:useLocalDpi xmlns:a14="http://schemas.microsoft.com/office/drawing/2010/main" val="0"/>
@@ -9479,7 +9587,7 @@
           <p:cNvPr id="8" name="Picture 7" descr="A close up of a logo&#10;&#10;Description generated with high confidence">
             <a:extLst>
               <a:ext uri="{FF2B5EF4-FFF2-40B4-BE49-F238E27FC236}">
-                <a16:creationId xmlns:a16="http://schemas.microsoft.com/office/drawing/2014/main" id="{56153691-DB64-4010-BA0E-086096EA76ED}"/>
+                <a16:creationId xmlns="" xmlns:a16="http://schemas.microsoft.com/office/drawing/2014/main" id="{56153691-DB64-4010-BA0E-086096EA76ED}"/>
               </a:ext>
             </a:extLst>
           </p:cNvPr>
@@ -9489,7 +9597,7 @@
           <p:nvPr/>
         </p:nvPicPr>
         <p:blipFill>
-          <a:blip r:embed="rId3">
+          <a:blip r:embed="rId3" cstate="print">
             <a:extLst>
               <a:ext uri="{28A0092B-C50C-407E-A947-70E740481C1C}">
                 <a14:useLocalDpi xmlns:a14="http://schemas.microsoft.com/office/drawing/2010/main" val="0"/>
@@ -9773,7 +9881,7 @@
   <a:extraClrSchemeLst/>
   <a:extLst>
     <a:ext uri="{05A4C25C-085E-4340-85A3-A5531E510DB2}">
-      <thm15:themeFamily xmlns:thm15="http://schemas.microsoft.com/office/thememl/2012/main" name="Parallax" id="{3388167B-A2EB-4685-9635-1831D9AEF8C4}" vid="{1A9F9826-882C-40B9-8F38-5A3B8CFD196D}"/>
+      <thm15:themeFamily xmlns="" xmlns:thm15="http://schemas.microsoft.com/office/thememl/2012/main" name="Parallax" id="{3388167B-A2EB-4685-9635-1831D9AEF8C4}" vid="{1A9F9826-882C-40B9-8F38-5A3B8CFD196D}"/>
     </a:ext>
   </a:extLst>
 </a:theme>
@@ -10034,7 +10142,7 @@
   <a:extraClrSchemeLst/>
   <a:extLst>
     <a:ext uri="{05A4C25C-085E-4340-85A3-A5531E510DB2}">
-      <thm15:themeFamily xmlns:thm15="http://schemas.microsoft.com/office/thememl/2012/main" name="Office Theme" id="{62F939B6-93AF-4DB8-9C6B-D6C7DFDC589F}" vid="{4A3C46E8-61CC-4603-A589-7422A47A8E4A}"/>
+      <thm15:themeFamily xmlns="" xmlns:thm15="http://schemas.microsoft.com/office/thememl/2012/main" name="Office Theme" id="{62F939B6-93AF-4DB8-9C6B-D6C7DFDC589F}" vid="{4A3C46E8-61CC-4603-A589-7422A47A8E4A}"/>
     </a:ext>
   </a:extLst>
 </a:theme>
